--- a/PPT/2021.10.21.pptx
+++ b/PPT/2021.10.21.pptx
@@ -239,7 +239,7 @@
           <a:p>
             <a:fld id="{9FD9FF88-F485-4DC2-86CB-AFC52D9F289B}" type="datetimeFigureOut">
               <a:rPr lang="zh-CN" altLang="en-US" smtClean="0"/>
-              <a:t>2021/10/27</a:t>
+              <a:t>2024/6/30</a:t>
             </a:fld>
             <a:endParaRPr lang="zh-CN" altLang="en-US"/>
           </a:p>
